--- a/Revature Standards/Presentation.pptx
+++ b/Revature Standards/Presentation.pptx
@@ -38173,7 +38173,33 @@
           <a:bodyPr/>
           <a:lstStyle/>
           <a:p>
-            <a:endParaRPr lang="de-DE"/>
+            <a:r>
+              <a:rPr lang="de-DE" dirty="0"/>
+              <a:t>Follower Bug</a:t>
+            </a:r>
+          </a:p>
+          <a:p>
+            <a:pPr lvl="1"/>
+            <a:r>
+              <a:rPr lang="de-DE" dirty="0"/>
+              <a:t>Mutual </a:t>
+            </a:r>
+            <a:r>
+              <a:rPr lang="de-DE" dirty="0" err="1"/>
+              <a:t>followers</a:t>
+            </a:r>
+            <a:r>
+              <a:rPr lang="de-DE" dirty="0"/>
+              <a:t> </a:t>
+            </a:r>
+            <a:r>
+              <a:rPr lang="de-DE" dirty="0" err="1"/>
+              <a:t>cannot</a:t>
+            </a:r>
+            <a:r>
+              <a:rPr lang="de-DE" dirty="0"/>
+              <a:t> log in</a:t>
+            </a:r>
           </a:p>
         </p:txBody>
       </p:sp>

--- a/Revature Standards/Presentation.pptx
+++ b/Revature Standards/Presentation.pptx
@@ -6004,7 +6004,6 @@
           <a:camera prst="orthographicFront"/>
           <a:lightRig rig="flat" dir="t"/>
         </a:scene3d>
-        <a:sp3d/>
       </dsp:spPr>
       <dsp:style>
         <a:lnRef idx="1">
@@ -38535,10 +38534,9 @@
           <a:lstStyle/>
           <a:p>
             <a:r>
-              <a:rPr lang="de-DE" dirty="0" err="1"/>
+              <a:rPr lang="de-DE" dirty="0"/>
               <a:t>Acknowledgements</a:t>
             </a:r>
-            <a:endParaRPr lang="de-DE" dirty="0"/>
           </a:p>
         </p:txBody>
       </p:sp>

--- a/Revature Standards/Presentation.pptx
+++ b/Revature Standards/Presentation.pptx
@@ -5,7 +5,7 @@
     <p:sldMasterId id="2147483661" r:id="rId1"/>
   </p:sldMasterIdLst>
   <p:notesMasterIdLst>
-    <p:notesMasterId r:id="rId19"/>
+    <p:notesMasterId r:id="rId21"/>
   </p:notesMasterIdLst>
   <p:sldIdLst>
     <p:sldId id="256" r:id="rId2"/>
@@ -17,14 +17,16 @@
     <p:sldId id="261" r:id="rId8"/>
     <p:sldId id="260" r:id="rId9"/>
     <p:sldId id="262" r:id="rId10"/>
-    <p:sldId id="272" r:id="rId11"/>
-    <p:sldId id="273" r:id="rId12"/>
-    <p:sldId id="264" r:id="rId13"/>
-    <p:sldId id="265" r:id="rId14"/>
-    <p:sldId id="266" r:id="rId15"/>
-    <p:sldId id="268" r:id="rId16"/>
-    <p:sldId id="267" r:id="rId17"/>
-    <p:sldId id="270" r:id="rId18"/>
+    <p:sldId id="275" r:id="rId11"/>
+    <p:sldId id="274" r:id="rId12"/>
+    <p:sldId id="272" r:id="rId13"/>
+    <p:sldId id="273" r:id="rId14"/>
+    <p:sldId id="264" r:id="rId15"/>
+    <p:sldId id="265" r:id="rId16"/>
+    <p:sldId id="266" r:id="rId17"/>
+    <p:sldId id="268" r:id="rId18"/>
+    <p:sldId id="267" r:id="rId19"/>
+    <p:sldId id="270" r:id="rId20"/>
   </p:sldIdLst>
   <p:sldSz cx="9144000" cy="6858000" type="screen4x3"/>
   <p:notesSz cx="7010400" cy="9296400"/>
@@ -6004,6 +6006,7 @@
           <a:camera prst="orthographicFront"/>
           <a:lightRig rig="flat" dir="t"/>
         </a:scene3d>
+        <a:sp3d/>
       </dsp:spPr>
       <dsp:style>
         <a:lnRef idx="1">
@@ -37838,6 +37841,288 @@
           <p:cNvPr id="2" name="Title 1">
             <a:extLst>
               <a:ext uri="{FF2B5EF4-FFF2-40B4-BE49-F238E27FC236}">
+                <a16:creationId xmlns:a16="http://schemas.microsoft.com/office/drawing/2014/main" id="{606DF331-A7FD-48CC-93A7-FE298816D5F4}"/>
+              </a:ext>
+            </a:extLst>
+          </p:cNvPr>
+          <p:cNvSpPr>
+            <a:spLocks noGrp="1"/>
+          </p:cNvSpPr>
+          <p:nvPr>
+            <p:ph type="title"/>
+          </p:nvPr>
+        </p:nvSpPr>
+        <p:spPr/>
+        <p:txBody>
+          <a:bodyPr/>
+          <a:lstStyle/>
+          <a:p>
+            <a:r>
+              <a:rPr lang="en-US" dirty="0"/>
+              <a:t>Testing Statistics - Backend</a:t>
+            </a:r>
+          </a:p>
+        </p:txBody>
+      </p:sp>
+      <p:sp>
+        <p:nvSpPr>
+          <p:cNvPr id="4" name="Slide Number Placeholder 3">
+            <a:extLst>
+              <a:ext uri="{FF2B5EF4-FFF2-40B4-BE49-F238E27FC236}">
+                <a16:creationId xmlns:a16="http://schemas.microsoft.com/office/drawing/2014/main" id="{30A417BC-10A6-4B11-BC92-64A73DA2E940}"/>
+              </a:ext>
+            </a:extLst>
+          </p:cNvPr>
+          <p:cNvSpPr>
+            <a:spLocks noGrp="1"/>
+          </p:cNvSpPr>
+          <p:nvPr>
+            <p:ph type="sldNum" idx="12"/>
+          </p:nvPr>
+        </p:nvSpPr>
+        <p:spPr/>
+        <p:txBody>
+          <a:bodyPr/>
+          <a:lstStyle/>
+          <a:p>
+            <a:pPr marL="0" lvl="0" indent="0" algn="r" rtl="0">
+              <a:spcBef>
+                <a:spcPts val="0"/>
+              </a:spcBef>
+              <a:spcAft>
+                <a:spcPts val="0"/>
+              </a:spcAft>
+              <a:buNone/>
+            </a:pPr>
+            <a:fld id="{00000000-1234-1234-1234-123412341234}" type="slidenum">
+              <a:rPr lang="en-US" smtClean="0"/>
+              <a:t>9</a:t>
+            </a:fld>
+            <a:endParaRPr lang="en-US"/>
+          </a:p>
+        </p:txBody>
+      </p:sp>
+      <p:pic>
+        <p:nvPicPr>
+          <p:cNvPr id="7" name="Picture 6">
+            <a:extLst>
+              <a:ext uri="{FF2B5EF4-FFF2-40B4-BE49-F238E27FC236}">
+                <a16:creationId xmlns:a16="http://schemas.microsoft.com/office/drawing/2014/main" id="{8DAD8AAA-3D95-4412-8D68-8CE41E85B1DA}"/>
+              </a:ext>
+            </a:extLst>
+          </p:cNvPr>
+          <p:cNvPicPr>
+            <a:picLocks noChangeAspect="1"/>
+          </p:cNvPicPr>
+          <p:nvPr/>
+        </p:nvPicPr>
+        <p:blipFill>
+          <a:blip r:embed="rId2"/>
+          <a:stretch>
+            <a:fillRect/>
+          </a:stretch>
+        </p:blipFill>
+        <p:spPr>
+          <a:xfrm>
+            <a:off x="1354717" y="1677551"/>
+            <a:ext cx="6299400" cy="4198392"/>
+          </a:xfrm>
+          <a:prstGeom prst="rect">
+            <a:avLst/>
+          </a:prstGeom>
+        </p:spPr>
+      </p:pic>
+    </p:spTree>
+    <p:extLst>
+      <p:ext uri="{BB962C8B-B14F-4D97-AF65-F5344CB8AC3E}">
+        <p14:creationId xmlns:p14="http://schemas.microsoft.com/office/powerpoint/2010/main" val="4230480731"/>
+      </p:ext>
+    </p:extLst>
+  </p:cSld>
+  <p:clrMapOvr>
+    <a:masterClrMapping/>
+  </p:clrMapOvr>
+</p:sld>
+</file>
+
+<file path=ppt/slides/slide11.xml><?xml version="1.0" encoding="utf-8"?>
+<p:sld xmlns:a="http://schemas.openxmlformats.org/drawingml/2006/main" xmlns:r="http://schemas.openxmlformats.org/officeDocument/2006/relationships" xmlns:p="http://schemas.openxmlformats.org/presentationml/2006/main">
+  <p:cSld>
+    <p:spTree>
+      <p:nvGrpSpPr>
+        <p:cNvPr id="1" name=""/>
+        <p:cNvGrpSpPr/>
+        <p:nvPr/>
+      </p:nvGrpSpPr>
+      <p:grpSpPr>
+        <a:xfrm>
+          <a:off x="0" y="0"/>
+          <a:ext cx="0" cy="0"/>
+          <a:chOff x="0" y="0"/>
+          <a:chExt cx="0" cy="0"/>
+        </a:xfrm>
+      </p:grpSpPr>
+      <p:sp>
+        <p:nvSpPr>
+          <p:cNvPr id="2" name="Title 1">
+            <a:extLst>
+              <a:ext uri="{FF2B5EF4-FFF2-40B4-BE49-F238E27FC236}">
+                <a16:creationId xmlns:a16="http://schemas.microsoft.com/office/drawing/2014/main" id="{9A6BDC9B-6B30-4441-B755-89BF7DC6D145}"/>
+              </a:ext>
+            </a:extLst>
+          </p:cNvPr>
+          <p:cNvSpPr>
+            <a:spLocks noGrp="1"/>
+          </p:cNvSpPr>
+          <p:nvPr>
+            <p:ph type="title"/>
+          </p:nvPr>
+        </p:nvSpPr>
+        <p:spPr/>
+        <p:txBody>
+          <a:bodyPr/>
+          <a:lstStyle/>
+          <a:p>
+            <a:r>
+              <a:rPr lang="en-US" dirty="0"/>
+              <a:t>Testing Statistics - Backend</a:t>
+            </a:r>
+          </a:p>
+        </p:txBody>
+      </p:sp>
+      <p:sp>
+        <p:nvSpPr>
+          <p:cNvPr id="4" name="Slide Number Placeholder 3">
+            <a:extLst>
+              <a:ext uri="{FF2B5EF4-FFF2-40B4-BE49-F238E27FC236}">
+                <a16:creationId xmlns:a16="http://schemas.microsoft.com/office/drawing/2014/main" id="{BC0A5D73-B5F1-49F3-BFFD-B4D6C8ECE1B2}"/>
+              </a:ext>
+            </a:extLst>
+          </p:cNvPr>
+          <p:cNvSpPr>
+            <a:spLocks noGrp="1"/>
+          </p:cNvSpPr>
+          <p:nvPr>
+            <p:ph type="sldNum" idx="12"/>
+          </p:nvPr>
+        </p:nvSpPr>
+        <p:spPr/>
+        <p:txBody>
+          <a:bodyPr/>
+          <a:lstStyle/>
+          <a:p>
+            <a:pPr marL="0" lvl="0" indent="0" algn="r" rtl="0">
+              <a:spcBef>
+                <a:spcPts val="0"/>
+              </a:spcBef>
+              <a:spcAft>
+                <a:spcPts val="0"/>
+              </a:spcAft>
+              <a:buNone/>
+            </a:pPr>
+            <a:fld id="{00000000-1234-1234-1234-123412341234}" type="slidenum">
+              <a:rPr lang="en-US" smtClean="0"/>
+              <a:t>10</a:t>
+            </a:fld>
+            <a:endParaRPr lang="en-US"/>
+          </a:p>
+        </p:txBody>
+      </p:sp>
+      <p:pic>
+        <p:nvPicPr>
+          <p:cNvPr id="6" name="Picture 5">
+            <a:extLst>
+              <a:ext uri="{FF2B5EF4-FFF2-40B4-BE49-F238E27FC236}">
+                <a16:creationId xmlns:a16="http://schemas.microsoft.com/office/drawing/2014/main" id="{3B899F14-EDD7-426B-AF77-5102D983EA8C}"/>
+              </a:ext>
+            </a:extLst>
+          </p:cNvPr>
+          <p:cNvPicPr>
+            <a:picLocks noChangeAspect="1"/>
+          </p:cNvPicPr>
+          <p:nvPr/>
+        </p:nvPicPr>
+        <p:blipFill>
+          <a:blip r:embed="rId2"/>
+          <a:stretch>
+            <a:fillRect/>
+          </a:stretch>
+        </p:blipFill>
+        <p:spPr>
+          <a:xfrm>
+            <a:off x="1160427" y="1688844"/>
+            <a:ext cx="6512639" cy="4133793"/>
+          </a:xfrm>
+          <a:prstGeom prst="rect">
+            <a:avLst/>
+          </a:prstGeom>
+        </p:spPr>
+      </p:pic>
+      <p:pic>
+        <p:nvPicPr>
+          <p:cNvPr id="8" name="Picture 7">
+            <a:extLst>
+              <a:ext uri="{FF2B5EF4-FFF2-40B4-BE49-F238E27FC236}">
+                <a16:creationId xmlns:a16="http://schemas.microsoft.com/office/drawing/2014/main" id="{4C6832C9-048E-485F-9368-735D2EADCC19}"/>
+              </a:ext>
+            </a:extLst>
+          </p:cNvPr>
+          <p:cNvPicPr>
+            <a:picLocks noChangeAspect="1"/>
+          </p:cNvPicPr>
+          <p:nvPr/>
+        </p:nvPicPr>
+        <p:blipFill>
+          <a:blip r:embed="rId3"/>
+          <a:stretch>
+            <a:fillRect/>
+          </a:stretch>
+        </p:blipFill>
+        <p:spPr>
+          <a:xfrm>
+            <a:off x="1160427" y="1688844"/>
+            <a:ext cx="6512639" cy="4153413"/>
+          </a:xfrm>
+          <a:prstGeom prst="rect">
+            <a:avLst/>
+          </a:prstGeom>
+        </p:spPr>
+      </p:pic>
+    </p:spTree>
+    <p:extLst>
+      <p:ext uri="{BB962C8B-B14F-4D97-AF65-F5344CB8AC3E}">
+        <p14:creationId xmlns:p14="http://schemas.microsoft.com/office/powerpoint/2010/main" val="2648241812"/>
+      </p:ext>
+    </p:extLst>
+  </p:cSld>
+  <p:clrMapOvr>
+    <a:masterClrMapping/>
+  </p:clrMapOvr>
+</p:sld>
+</file>
+
+<file path=ppt/slides/slide12.xml><?xml version="1.0" encoding="utf-8"?>
+<p:sld xmlns:a="http://schemas.openxmlformats.org/drawingml/2006/main" xmlns:r="http://schemas.openxmlformats.org/officeDocument/2006/relationships" xmlns:p="http://schemas.openxmlformats.org/presentationml/2006/main">
+  <p:cSld>
+    <p:spTree>
+      <p:nvGrpSpPr>
+        <p:cNvPr id="1" name=""/>
+        <p:cNvGrpSpPr/>
+        <p:nvPr/>
+      </p:nvGrpSpPr>
+      <p:grpSpPr>
+        <a:xfrm>
+          <a:off x="0" y="0"/>
+          <a:ext cx="0" cy="0"/>
+          <a:chOff x="0" y="0"/>
+          <a:chExt cx="0" cy="0"/>
+        </a:xfrm>
+      </p:grpSpPr>
+      <p:sp>
+        <p:nvSpPr>
+          <p:cNvPr id="2" name="Title 1">
+            <a:extLst>
+              <a:ext uri="{FF2B5EF4-FFF2-40B4-BE49-F238E27FC236}">
                 <a16:creationId xmlns:a16="http://schemas.microsoft.com/office/drawing/2014/main" id="{943448A4-FE38-4F46-8425-C14A34D8F6E2}"/>
               </a:ext>
             </a:extLst>
@@ -37942,7 +38227,7 @@
             </a:pPr>
             <a:fld id="{00000000-1234-1234-1234-123412341234}" type="slidenum">
               <a:rPr lang="en-US" smtClean="0"/>
-              <a:t>9</a:t>
+              <a:t>11</a:t>
             </a:fld>
             <a:endParaRPr lang="en-US"/>
           </a:p>
@@ -37961,7 +38246,7 @@
 </p:sld>
 </file>
 
-<file path=ppt/slides/slide11.xml><?xml version="1.0" encoding="utf-8"?>
+<file path=ppt/slides/slide13.xml><?xml version="1.0" encoding="utf-8"?>
 <p:sld xmlns:a="http://schemas.openxmlformats.org/drawingml/2006/main" xmlns:r="http://schemas.openxmlformats.org/officeDocument/2006/relationships" xmlns:p="http://schemas.openxmlformats.org/presentationml/2006/main">
   <p:cSld>
     <p:spTree>
@@ -38087,7 +38372,7 @@
             </a:pPr>
             <a:fld id="{00000000-1234-1234-1234-123412341234}" type="slidenum">
               <a:rPr lang="en-US" smtClean="0"/>
-              <a:t>10</a:t>
+              <a:t>12</a:t>
             </a:fld>
             <a:endParaRPr lang="en-US"/>
           </a:p>
@@ -38106,7 +38391,7 @@
 </p:sld>
 </file>
 
-<file path=ppt/slides/slide12.xml><?xml version="1.0" encoding="utf-8"?>
+<file path=ppt/slides/slide14.xml><?xml version="1.0" encoding="utf-8"?>
 <p:sld xmlns:a="http://schemas.openxmlformats.org/drawingml/2006/main" xmlns:r="http://schemas.openxmlformats.org/officeDocument/2006/relationships" xmlns:p="http://schemas.openxmlformats.org/presentationml/2006/main">
   <p:cSld>
     <p:spTree>
@@ -38181,23 +38466,26 @@
             <a:pPr lvl="1"/>
             <a:r>
               <a:rPr lang="de-DE" dirty="0"/>
-              <a:t>Mutual </a:t>
+              <a:t>Mutual followers cannot log in</a:t>
             </a:r>
-            <a:r>
-              <a:rPr lang="de-DE" dirty="0" err="1"/>
-              <a:t>followers</a:t>
-            </a:r>
+          </a:p>
+          <a:p>
+            <a:pPr lvl="1"/>
             <a:r>
               <a:rPr lang="de-DE" dirty="0"/>
-              <a:t> </a:t>
+              <a:t>Inconsistent adding of followers</a:t>
             </a:r>
-            <a:r>
-              <a:rPr lang="de-DE" dirty="0" err="1"/>
-              <a:t>cannot</a:t>
-            </a:r>
+          </a:p>
+          <a:p>
             <a:r>
               <a:rPr lang="de-DE" dirty="0"/>
-              <a:t> log in</a:t>
+              <a:t>Post cards width are reduced</a:t>
+            </a:r>
+          </a:p>
+          <a:p>
+            <a:r>
+              <a:rPr lang="de-DE" dirty="0"/>
+              <a:t>No text wrap on comments</a:t>
             </a:r>
           </a:p>
         </p:txBody>
@@ -38234,7 +38522,7 @@
             </a:pPr>
             <a:fld id="{00000000-1234-1234-1234-123412341234}" type="slidenum">
               <a:rPr lang="en-US" smtClean="0"/>
-              <a:t>11</a:t>
+              <a:t>13</a:t>
             </a:fld>
             <a:endParaRPr lang="en-US"/>
           </a:p>
@@ -38253,7 +38541,7 @@
 </p:sld>
 </file>
 
-<file path=ppt/slides/slide13.xml><?xml version="1.0" encoding="utf-8"?>
+<file path=ppt/slides/slide15.xml><?xml version="1.0" encoding="utf-8"?>
 <p:sld xmlns:a="http://schemas.openxmlformats.org/drawingml/2006/main" xmlns:r="http://schemas.openxmlformats.org/officeDocument/2006/relationships" xmlns:p="http://schemas.openxmlformats.org/presentationml/2006/main">
   <p:cSld>
     <p:spTree>
@@ -38319,7 +38607,42 @@
           <a:bodyPr/>
           <a:lstStyle/>
           <a:p>
-            <a:endParaRPr lang="de-DE" dirty="0"/>
+            <a:r>
+              <a:rPr lang="de-DE" dirty="0"/>
+              <a:t>Integration of the branches</a:t>
+            </a:r>
+          </a:p>
+          <a:p>
+            <a:r>
+              <a:rPr lang="de-DE" dirty="0"/>
+              <a:t>ManytoMany join table implementation</a:t>
+            </a:r>
+          </a:p>
+          <a:p>
+            <a:pPr lvl="1"/>
+            <a:r>
+              <a:rPr lang="de-DE" dirty="0"/>
+              <a:t>Likes table</a:t>
+            </a:r>
+          </a:p>
+          <a:p>
+            <a:pPr lvl="1"/>
+            <a:r>
+              <a:rPr lang="de-DE" dirty="0"/>
+              <a:t>Followers table</a:t>
+            </a:r>
+          </a:p>
+          <a:p>
+            <a:r>
+              <a:rPr lang="de-DE" dirty="0"/>
+              <a:t>Cascading delete on comments</a:t>
+            </a:r>
+          </a:p>
+          <a:p>
+            <a:r>
+              <a:rPr lang="de-DE" dirty="0"/>
+              <a:t>Implementing Spring data methods</a:t>
+            </a:r>
           </a:p>
         </p:txBody>
       </p:sp>
@@ -38355,7 +38678,7 @@
             </a:pPr>
             <a:fld id="{00000000-1234-1234-1234-123412341234}" type="slidenum">
               <a:rPr lang="en-US" smtClean="0"/>
-              <a:t>12</a:t>
+              <a:t>14</a:t>
             </a:fld>
             <a:endParaRPr lang="en-US"/>
           </a:p>
@@ -38374,7 +38697,7 @@
 </p:sld>
 </file>
 
-<file path=ppt/slides/slide14.xml><?xml version="1.0" encoding="utf-8"?>
+<file path=ppt/slides/slide16.xml><?xml version="1.0" encoding="utf-8"?>
 <p:sld xmlns:a="http://schemas.openxmlformats.org/drawingml/2006/main" xmlns:r="http://schemas.openxmlformats.org/officeDocument/2006/relationships" xmlns:p="http://schemas.openxmlformats.org/presentationml/2006/main">
   <p:cSld>
     <p:spTree>
@@ -38440,7 +38763,31 @@
           <a:bodyPr/>
           <a:lstStyle/>
           <a:p>
-            <a:endParaRPr lang="de-DE"/>
+            <a:r>
+              <a:rPr lang="de-DE" dirty="0"/>
+              <a:t>Dhrubo‘s depth of field effect</a:t>
+            </a:r>
+          </a:p>
+          <a:p>
+            <a:r>
+              <a:rPr lang="de-DE" dirty="0"/>
+              <a:t>Like button implementation</a:t>
+            </a:r>
+          </a:p>
+          <a:p>
+            <a:r>
+              <a:rPr lang="de-DE" dirty="0"/>
+              <a:t>Responsive design</a:t>
+            </a:r>
+          </a:p>
+          <a:p>
+            <a:r>
+              <a:rPr lang="de-DE" dirty="0"/>
+              <a:t>Nested comment-reply implementation</a:t>
+            </a:r>
+          </a:p>
+          <a:p>
+            <a:endParaRPr lang="de-DE" dirty="0"/>
           </a:p>
         </p:txBody>
       </p:sp>
@@ -38476,7 +38823,7 @@
             </a:pPr>
             <a:fld id="{00000000-1234-1234-1234-123412341234}" type="slidenum">
               <a:rPr lang="en-US" smtClean="0"/>
-              <a:t>13</a:t>
+              <a:t>15</a:t>
             </a:fld>
             <a:endParaRPr lang="en-US"/>
           </a:p>
@@ -38495,7 +38842,7 @@
 </p:sld>
 </file>
 
-<file path=ppt/slides/slide15.xml><?xml version="1.0" encoding="utf-8"?>
+<file path=ppt/slides/slide17.xml><?xml version="1.0" encoding="utf-8"?>
 <p:sld xmlns:a="http://schemas.openxmlformats.org/drawingml/2006/main" xmlns:r="http://schemas.openxmlformats.org/officeDocument/2006/relationships" xmlns:p="http://schemas.openxmlformats.org/presentationml/2006/main">
   <p:cSld>
     <p:spTree>
@@ -38556,10 +38903,81 @@
             <p:ph type="body" idx="1"/>
           </p:nvPr>
         </p:nvSpPr>
-        <p:spPr/>
+        <p:spPr>
+          <a:xfrm>
+            <a:off x="380010" y="1481446"/>
+            <a:ext cx="8383980" cy="5677937"/>
+          </a:xfrm>
+        </p:spPr>
         <p:txBody>
           <a:bodyPr/>
           <a:lstStyle/>
+          <a:p>
+            <a:r>
+              <a:rPr lang="de-DE" dirty="0"/>
+              <a:t>Carolyn Rehm</a:t>
+            </a:r>
+          </a:p>
+          <a:p>
+            <a:r>
+              <a:rPr lang="de-DE" dirty="0"/>
+              <a:t>Nick Jurczak </a:t>
+            </a:r>
+          </a:p>
+          <a:p>
+            <a:r>
+              <a:rPr lang="de-DE" dirty="0"/>
+              <a:t>Andrew Crenwelge</a:t>
+            </a:r>
+          </a:p>
+          <a:p>
+            <a:r>
+              <a:rPr lang="de-DE" dirty="0"/>
+              <a:t>Andrew Shields</a:t>
+            </a:r>
+          </a:p>
+          <a:p>
+            <a:r>
+              <a:rPr lang="de-DE" dirty="0"/>
+              <a:t>Stack Overflow</a:t>
+            </a:r>
+          </a:p>
+          <a:p>
+            <a:r>
+              <a:rPr lang="de-DE" dirty="0"/>
+              <a:t>Google</a:t>
+            </a:r>
+          </a:p>
+          <a:p>
+            <a:r>
+              <a:rPr lang="de-DE" dirty="0"/>
+              <a:t>W3 School</a:t>
+            </a:r>
+          </a:p>
+          <a:p>
+            <a:r>
+              <a:rPr lang="de-DE" dirty="0"/>
+              <a:t>Java API Documentation</a:t>
+            </a:r>
+          </a:p>
+          <a:p>
+            <a:r>
+              <a:rPr lang="de-DE" dirty="0"/>
+              <a:t>Oracle</a:t>
+            </a:r>
+          </a:p>
+          <a:p>
+            <a:r>
+              <a:rPr lang="de-DE" dirty="0"/>
+              <a:t>Geeks4Geeks</a:t>
+            </a:r>
+          </a:p>
+          <a:p>
+            <a:r>
+              <a:rPr lang="de-DE" dirty="0"/>
+              <a:t>Angular API Documentation</a:t>
+            </a:r>
+          </a:p>
           <a:p>
             <a:endParaRPr lang="de-DE" dirty="0"/>
           </a:p>
@@ -38597,7 +39015,7 @@
             </a:pPr>
             <a:fld id="{00000000-1234-1234-1234-123412341234}" type="slidenum">
               <a:rPr lang="en-US" smtClean="0"/>
-              <a:t>14</a:t>
+              <a:t>16</a:t>
             </a:fld>
             <a:endParaRPr lang="en-US"/>
           </a:p>
@@ -38616,7 +39034,7 @@
 </p:sld>
 </file>
 
-<file path=ppt/slides/slide16.xml><?xml version="1.0" encoding="utf-8"?>
+<file path=ppt/slides/slide18.xml><?xml version="1.0" encoding="utf-8"?>
 <p:sld xmlns:a="http://schemas.openxmlformats.org/drawingml/2006/main" xmlns:r="http://schemas.openxmlformats.org/officeDocument/2006/relationships" xmlns:p="http://schemas.openxmlformats.org/presentationml/2006/main">
   <p:cSld>
     <p:spTree>
@@ -38693,7 +39111,7 @@
             </a:pPr>
             <a:fld id="{00000000-1234-1234-1234-123412341234}" type="slidenum">
               <a:rPr lang="en-US" smtClean="0"/>
-              <a:t>15</a:t>
+              <a:t>17</a:t>
             </a:fld>
             <a:endParaRPr lang="en-US"/>
           </a:p>
@@ -39144,7 +39562,7 @@
 </p:sld>
 </file>
 
-<file path=ppt/slides/slide17.xml><?xml version="1.0" encoding="utf-8"?>
+<file path=ppt/slides/slide19.xml><?xml version="1.0" encoding="utf-8"?>
 <p:sld xmlns:a="http://schemas.openxmlformats.org/drawingml/2006/main" xmlns:r="http://schemas.openxmlformats.org/officeDocument/2006/relationships" xmlns:p="http://schemas.openxmlformats.org/presentationml/2006/main">
   <p:cSld>
     <p:spTree>
@@ -39210,62 +39628,43 @@
             <p:ph type="body" idx="1"/>
           </p:nvPr>
         </p:nvSpPr>
-        <p:spPr/>
+        <p:spPr>
+          <a:xfrm>
+            <a:off x="380010" y="1481446"/>
+            <a:ext cx="8383980" cy="4882266"/>
+          </a:xfrm>
+        </p:spPr>
         <p:txBody>
           <a:bodyPr/>
           <a:lstStyle/>
           <a:p>
             <a:r>
               <a:rPr lang="de-DE" dirty="0"/>
-              <a:t>[</a:t>
+              <a:t>What are some features you would like to implement in the future?</a:t>
             </a:r>
-            <a:r>
-              <a:rPr lang="de-DE" dirty="0" err="1"/>
-              <a:t>insert</a:t>
-            </a:r>
+          </a:p>
+          <a:p>
             <a:r>
               <a:rPr lang="de-DE" dirty="0"/>
-              <a:t> </a:t>
+              <a:t>What are some features that were more difficult or easier to implement?</a:t>
             </a:r>
-            <a:r>
-              <a:rPr lang="de-DE" dirty="0" err="1"/>
-              <a:t>question</a:t>
-            </a:r>
+          </a:p>
+          <a:p>
             <a:r>
               <a:rPr lang="de-DE" dirty="0"/>
-              <a:t> </a:t>
+              <a:t>Did you learn anything new while doing this project?</a:t>
             </a:r>
-            <a:r>
-              <a:rPr lang="de-DE" dirty="0" err="1"/>
-              <a:t>people</a:t>
-            </a:r>
+          </a:p>
+          <a:p>
             <a:r>
               <a:rPr lang="de-DE" dirty="0"/>
-              <a:t> </a:t>
+              <a:t>What are your opinions on the techonolgies used in this project?</a:t>
             </a:r>
-            <a:r>
-              <a:rPr lang="de-DE" dirty="0" err="1"/>
-              <a:t>want</a:t>
-            </a:r>
+          </a:p>
+          <a:p>
             <a:r>
               <a:rPr lang="de-DE" dirty="0"/>
-              <a:t> </a:t>
-            </a:r>
-            <a:r>
-              <a:rPr lang="de-DE" dirty="0" err="1"/>
-              <a:t>to</a:t>
-            </a:r>
-            <a:r>
-              <a:rPr lang="de-DE" dirty="0"/>
-              <a:t> </a:t>
-            </a:r>
-            <a:r>
-              <a:rPr lang="de-DE" dirty="0" err="1"/>
-              <a:t>answer</a:t>
-            </a:r>
-            <a:r>
-              <a:rPr lang="de-DE" dirty="0"/>
-              <a:t>]</a:t>
+              <a:t>How would you do this project differently?</a:t>
             </a:r>
           </a:p>
         </p:txBody>
@@ -39302,7 +39701,7 @@
             </a:pPr>
             <a:fld id="{00000000-1234-1234-1234-123412341234}" type="slidenum">
               <a:rPr lang="en-US" smtClean="0"/>
-              <a:t>16</a:t>
+              <a:t>18</a:t>
             </a:fld>
             <a:endParaRPr lang="en-US"/>
           </a:p>
@@ -41132,50 +41531,6 @@
       </p:sp>
       <p:sp>
         <p:nvSpPr>
-          <p:cNvPr id="3" name="Text Placeholder 2">
-            <a:extLst>
-              <a:ext uri="{FF2B5EF4-FFF2-40B4-BE49-F238E27FC236}">
-                <a16:creationId xmlns:a16="http://schemas.microsoft.com/office/drawing/2014/main" id="{22719197-C592-4BE6-99D1-B531B50EE829}"/>
-              </a:ext>
-            </a:extLst>
-          </p:cNvPr>
-          <p:cNvSpPr>
-            <a:spLocks noGrp="1"/>
-          </p:cNvSpPr>
-          <p:nvPr>
-            <p:ph type="body" idx="1"/>
-          </p:nvPr>
-        </p:nvSpPr>
-        <p:spPr/>
-        <p:txBody>
-          <a:bodyPr/>
-          <a:lstStyle/>
-          <a:p>
-            <a:r>
-              <a:rPr lang="de-DE" dirty="0"/>
-              <a:t>[Insert </a:t>
-            </a:r>
-            <a:r>
-              <a:rPr lang="de-DE" dirty="0" err="1"/>
-              <a:t>Diagram</a:t>
-            </a:r>
-            <a:r>
-              <a:rPr lang="de-DE" dirty="0"/>
-              <a:t> </a:t>
-            </a:r>
-            <a:r>
-              <a:rPr lang="de-DE" dirty="0" err="1"/>
-              <a:t>here</a:t>
-            </a:r>
-            <a:r>
-              <a:rPr lang="de-DE" dirty="0"/>
-              <a:t>]</a:t>
-            </a:r>
-          </a:p>
-        </p:txBody>
-      </p:sp>
-      <p:sp>
-        <p:nvSpPr>
           <p:cNvPr id="4" name="Slide Number Placeholder 3">
             <a:extLst>
               <a:ext uri="{FF2B5EF4-FFF2-40B4-BE49-F238E27FC236}">
@@ -41212,6 +41567,36 @@
           </a:p>
         </p:txBody>
       </p:sp>
+      <p:pic>
+        <p:nvPicPr>
+          <p:cNvPr id="10" name="Picture 9">
+            <a:extLst>
+              <a:ext uri="{FF2B5EF4-FFF2-40B4-BE49-F238E27FC236}">
+                <a16:creationId xmlns:a16="http://schemas.microsoft.com/office/drawing/2014/main" id="{38B0CDE7-5B30-461B-A214-05BFDACEED51}"/>
+              </a:ext>
+            </a:extLst>
+          </p:cNvPr>
+          <p:cNvPicPr>
+            <a:picLocks noChangeAspect="1"/>
+          </p:cNvPicPr>
+          <p:nvPr/>
+        </p:nvPicPr>
+        <p:blipFill>
+          <a:blip r:embed="rId2"/>
+          <a:stretch>
+            <a:fillRect/>
+          </a:stretch>
+        </p:blipFill>
+        <p:spPr>
+          <a:xfrm>
+            <a:off x="701177" y="1346314"/>
+            <a:ext cx="7528423" cy="5421930"/>
+          </a:xfrm>
+          <a:prstGeom prst="rect">
+            <a:avLst/>
+          </a:prstGeom>
+        </p:spPr>
+      </p:pic>
     </p:spTree>
     <p:extLst>
       <p:ext uri="{BB962C8B-B14F-4D97-AF65-F5344CB8AC3E}">
@@ -41404,72 +41789,8 @@
           <a:lstStyle/>
           <a:p>
             <a:r>
-              <a:rPr lang="de-DE" dirty="0" err="1"/>
-              <a:t>Testing</a:t>
-            </a:r>
-            <a:r>
               <a:rPr lang="de-DE" dirty="0"/>
-              <a:t> </a:t>
-            </a:r>
-            <a:r>
-              <a:rPr lang="de-DE" dirty="0" err="1"/>
-              <a:t>Statistics</a:t>
-            </a:r>
-            <a:endParaRPr lang="de-DE" dirty="0"/>
-          </a:p>
-        </p:txBody>
-      </p:sp>
-      <p:sp>
-        <p:nvSpPr>
-          <p:cNvPr id="3" name="Text Placeholder 2">
-            <a:extLst>
-              <a:ext uri="{FF2B5EF4-FFF2-40B4-BE49-F238E27FC236}">
-                <a16:creationId xmlns:a16="http://schemas.microsoft.com/office/drawing/2014/main" id="{A1AACF20-F525-4ED7-976C-9E98A5F82014}"/>
-              </a:ext>
-            </a:extLst>
-          </p:cNvPr>
-          <p:cNvSpPr>
-            <a:spLocks noGrp="1"/>
-          </p:cNvSpPr>
-          <p:nvPr>
-            <p:ph type="body" idx="1"/>
-          </p:nvPr>
-        </p:nvSpPr>
-        <p:spPr/>
-        <p:txBody>
-          <a:bodyPr/>
-          <a:lstStyle/>
-          <a:p>
-            <a:pPr marL="50800" indent="0">
-              <a:buNone/>
-            </a:pPr>
-            <a:r>
-              <a:rPr lang="de-DE" dirty="0"/>
-              <a:t>[Insert Sonar </a:t>
-            </a:r>
-            <a:r>
-              <a:rPr lang="de-DE" dirty="0" err="1"/>
-              <a:t>cloud</a:t>
-            </a:r>
-            <a:r>
-              <a:rPr lang="de-DE" dirty="0"/>
-              <a:t> </a:t>
-            </a:r>
-            <a:r>
-              <a:rPr lang="de-DE" dirty="0" err="1"/>
-              <a:t>stats</a:t>
-            </a:r>
-            <a:r>
-              <a:rPr lang="de-DE" dirty="0"/>
-              <a:t> and </a:t>
-            </a:r>
-            <a:r>
-              <a:rPr lang="de-DE" dirty="0" err="1"/>
-              <a:t>visual</a:t>
-            </a:r>
-            <a:r>
-              <a:rPr lang="de-DE" dirty="0"/>
-              <a:t>]</a:t>
+              <a:t>Testing Statistics - Frontend</a:t>
             </a:r>
           </a:p>
         </p:txBody>
@@ -41512,6 +41833,36 @@
           </a:p>
         </p:txBody>
       </p:sp>
+      <p:pic>
+        <p:nvPicPr>
+          <p:cNvPr id="6" name="Picture 5">
+            <a:extLst>
+              <a:ext uri="{FF2B5EF4-FFF2-40B4-BE49-F238E27FC236}">
+                <a16:creationId xmlns:a16="http://schemas.microsoft.com/office/drawing/2014/main" id="{B4343B40-1520-4139-842F-40F5CD53E338}"/>
+              </a:ext>
+            </a:extLst>
+          </p:cNvPr>
+          <p:cNvPicPr>
+            <a:picLocks noChangeAspect="1"/>
+          </p:cNvPicPr>
+          <p:nvPr/>
+        </p:nvPicPr>
+        <p:blipFill>
+          <a:blip r:embed="rId2"/>
+          <a:stretch>
+            <a:fillRect/>
+          </a:stretch>
+        </p:blipFill>
+        <p:spPr>
+          <a:xfrm>
+            <a:off x="1223696" y="1677608"/>
+            <a:ext cx="6573593" cy="4240206"/>
+          </a:xfrm>
+          <a:prstGeom prst="rect">
+            <a:avLst/>
+          </a:prstGeom>
+        </p:spPr>
+      </p:pic>
     </p:spTree>
     <p:extLst>
       <p:ext uri="{BB962C8B-B14F-4D97-AF65-F5344CB8AC3E}">

--- a/Revature Standards/Presentation.pptx
+++ b/Revature Standards/Presentation.pptx
@@ -6006,7 +6006,6 @@
           <a:camera prst="orthographicFront"/>
           <a:lightRig rig="flat" dir="t"/>
         </a:scene3d>
-        <a:sp3d/>
       </dsp:spPr>
       <dsp:style>
         <a:lnRef idx="1">
@@ -38298,50 +38297,6 @@
       </p:sp>
       <p:sp>
         <p:nvSpPr>
-          <p:cNvPr id="3" name="Text Placeholder 2">
-            <a:extLst>
-              <a:ext uri="{FF2B5EF4-FFF2-40B4-BE49-F238E27FC236}">
-                <a16:creationId xmlns:a16="http://schemas.microsoft.com/office/drawing/2014/main" id="{C5D9F5A3-0B1E-46FE-B3F8-3296AD4711E8}"/>
-              </a:ext>
-            </a:extLst>
-          </p:cNvPr>
-          <p:cNvSpPr>
-            <a:spLocks noGrp="1"/>
-          </p:cNvSpPr>
-          <p:nvPr>
-            <p:ph type="body" idx="1"/>
-          </p:nvPr>
-        </p:nvSpPr>
-        <p:spPr/>
-        <p:txBody>
-          <a:bodyPr/>
-          <a:lstStyle/>
-          <a:p>
-            <a:r>
-              <a:rPr lang="de-DE" dirty="0"/>
-              <a:t>[Insert Jenkins </a:t>
-            </a:r>
-            <a:r>
-              <a:rPr lang="de-DE" dirty="0" err="1"/>
-              <a:t>info</a:t>
-            </a:r>
-            <a:r>
-              <a:rPr lang="de-DE" dirty="0"/>
-              <a:t> and </a:t>
-            </a:r>
-            <a:r>
-              <a:rPr lang="de-DE" dirty="0" err="1"/>
-              <a:t>visuals</a:t>
-            </a:r>
-            <a:r>
-              <a:rPr lang="de-DE" dirty="0"/>
-              <a:t>]</a:t>
-            </a:r>
-          </a:p>
-        </p:txBody>
-      </p:sp>
-      <p:sp>
-        <p:nvSpPr>
           <p:cNvPr id="4" name="Slide Number Placeholder 3">
             <a:extLst>
               <a:ext uri="{FF2B5EF4-FFF2-40B4-BE49-F238E27FC236}">
@@ -38378,6 +38333,36 @@
           </a:p>
         </p:txBody>
       </p:sp>
+      <p:pic>
+        <p:nvPicPr>
+          <p:cNvPr id="8" name="Picture 7">
+            <a:extLst>
+              <a:ext uri="{FF2B5EF4-FFF2-40B4-BE49-F238E27FC236}">
+                <a16:creationId xmlns:a16="http://schemas.microsoft.com/office/drawing/2014/main" id="{C439BBB7-AF83-45BA-A767-23474E22EFF3}"/>
+              </a:ext>
+            </a:extLst>
+          </p:cNvPr>
+          <p:cNvPicPr>
+            <a:picLocks noChangeAspect="1"/>
+          </p:cNvPicPr>
+          <p:nvPr/>
+        </p:nvPicPr>
+        <p:blipFill>
+          <a:blip r:embed="rId2"/>
+          <a:stretch>
+            <a:fillRect/>
+          </a:stretch>
+        </p:blipFill>
+        <p:spPr>
+          <a:xfrm>
+            <a:off x="221424" y="2465382"/>
+            <a:ext cx="8701152" cy="2350288"/>
+          </a:xfrm>
+          <a:prstGeom prst="rect">
+            <a:avLst/>
+          </a:prstGeom>
+        </p:spPr>
+      </p:pic>
     </p:spTree>
     <p:extLst>
       <p:ext uri="{BB962C8B-B14F-4D97-AF65-F5344CB8AC3E}">

--- a/Revature Standards/Presentation.pptx
+++ b/Revature Standards/Presentation.pptx
@@ -41554,10 +41554,10 @@
       </p:sp>
       <p:pic>
         <p:nvPicPr>
-          <p:cNvPr id="10" name="Picture 9">
+          <p:cNvPr id="5" name="Picture 4">
             <a:extLst>
               <a:ext uri="{FF2B5EF4-FFF2-40B4-BE49-F238E27FC236}">
-                <a16:creationId xmlns:a16="http://schemas.microsoft.com/office/drawing/2014/main" id="{38B0CDE7-5B30-461B-A214-05BFDACEED51}"/>
+                <a16:creationId xmlns:a16="http://schemas.microsoft.com/office/drawing/2014/main" id="{489C0C30-40C8-43C2-8546-48C234ADFFC5}"/>
               </a:ext>
             </a:extLst>
           </p:cNvPr>
@@ -41574,8 +41574,8 @@
         </p:blipFill>
         <p:spPr>
           <a:xfrm>
-            <a:off x="701177" y="1346314"/>
-            <a:ext cx="7528423" cy="5421930"/>
+            <a:off x="1152226" y="1492564"/>
+            <a:ext cx="6933839" cy="4765211"/>
           </a:xfrm>
           <a:prstGeom prst="rect">
             <a:avLst/>

--- a/Revature Standards/Presentation.pptx
+++ b/Revature Standards/Presentation.pptx
@@ -41642,50 +41642,6 @@
       </p:sp>
       <p:sp>
         <p:nvSpPr>
-          <p:cNvPr id="3" name="Text Placeholder 2">
-            <a:extLst>
-              <a:ext uri="{FF2B5EF4-FFF2-40B4-BE49-F238E27FC236}">
-                <a16:creationId xmlns:a16="http://schemas.microsoft.com/office/drawing/2014/main" id="{4BFAECA8-5AA7-4AEA-ACAA-CC49A70127B7}"/>
-              </a:ext>
-            </a:extLst>
-          </p:cNvPr>
-          <p:cNvSpPr>
-            <a:spLocks noGrp="1"/>
-          </p:cNvSpPr>
-          <p:nvPr>
-            <p:ph type="body" idx="1"/>
-          </p:nvPr>
-        </p:nvSpPr>
-        <p:spPr/>
-        <p:txBody>
-          <a:bodyPr/>
-          <a:lstStyle/>
-          <a:p>
-            <a:r>
-              <a:rPr lang="de-DE" dirty="0"/>
-              <a:t>[Add </a:t>
-            </a:r>
-            <a:r>
-              <a:rPr lang="de-DE" dirty="0" err="1"/>
-              <a:t>diagram</a:t>
-            </a:r>
-            <a:r>
-              <a:rPr lang="de-DE" dirty="0"/>
-              <a:t> </a:t>
-            </a:r>
-            <a:r>
-              <a:rPr lang="de-DE" dirty="0" err="1"/>
-              <a:t>here</a:t>
-            </a:r>
-            <a:r>
-              <a:rPr lang="de-DE" dirty="0"/>
-              <a:t>]</a:t>
-            </a:r>
-          </a:p>
-        </p:txBody>
-      </p:sp>
-      <p:sp>
-        <p:nvSpPr>
           <p:cNvPr id="4" name="Slide Number Placeholder 3">
             <a:extLst>
               <a:ext uri="{FF2B5EF4-FFF2-40B4-BE49-F238E27FC236}">
@@ -41722,6 +41678,53 @@
           </a:p>
         </p:txBody>
       </p:sp>
+      <p:pic>
+        <p:nvPicPr>
+          <p:cNvPr id="1026" name="Picture 2">
+            <a:extLst>
+              <a:ext uri="{FF2B5EF4-FFF2-40B4-BE49-F238E27FC236}">
+                <a16:creationId xmlns:a16="http://schemas.microsoft.com/office/drawing/2014/main" id="{C94E9C1D-FF4C-4F55-8744-A6103F3D2690}"/>
+              </a:ext>
+            </a:extLst>
+          </p:cNvPr>
+          <p:cNvPicPr>
+            <a:picLocks noChangeAspect="1" noChangeArrowheads="1"/>
+          </p:cNvPicPr>
+          <p:nvPr/>
+        </p:nvPicPr>
+        <p:blipFill>
+          <a:blip r:embed="rId2">
+            <a:extLst>
+              <a:ext uri="{28A0092B-C50C-407E-A947-70E740481C1C}">
+                <a14:useLocalDpi xmlns:a14="http://schemas.microsoft.com/office/drawing/2010/main" val="0"/>
+              </a:ext>
+            </a:extLst>
+          </a:blip>
+          <a:srcRect/>
+          <a:stretch>
+            <a:fillRect/>
+          </a:stretch>
+        </p:blipFill>
+        <p:spPr bwMode="auto">
+          <a:xfrm>
+            <a:off x="2282090" y="1246876"/>
+            <a:ext cx="4579820" cy="5611124"/>
+          </a:xfrm>
+          <a:prstGeom prst="rect">
+            <a:avLst/>
+          </a:prstGeom>
+          <a:noFill/>
+          <a:extLst>
+            <a:ext uri="{909E8E84-426E-40DD-AFC4-6F175D3DCCD1}">
+              <a14:hiddenFill xmlns:a14="http://schemas.microsoft.com/office/drawing/2010/main">
+                <a:solidFill>
+                  <a:srgbClr val="FFFFFF"/>
+                </a:solidFill>
+              </a14:hiddenFill>
+            </a:ext>
+          </a:extLst>
+        </p:spPr>
+      </p:pic>
     </p:spTree>
     <p:extLst>
       <p:ext uri="{BB962C8B-B14F-4D97-AF65-F5344CB8AC3E}">

--- a/Revature Standards/Presentation.pptx
+++ b/Revature Standards/Presentation.pptx
@@ -41554,10 +41554,10 @@
       </p:sp>
       <p:pic>
         <p:nvPicPr>
-          <p:cNvPr id="5" name="Picture 4">
+          <p:cNvPr id="3" name="Picture 2">
             <a:extLst>
               <a:ext uri="{FF2B5EF4-FFF2-40B4-BE49-F238E27FC236}">
-                <a16:creationId xmlns:a16="http://schemas.microsoft.com/office/drawing/2014/main" id="{489C0C30-40C8-43C2-8546-48C234ADFFC5}"/>
+                <a16:creationId xmlns:a16="http://schemas.microsoft.com/office/drawing/2014/main" id="{4014C199-F4A1-4A0D-B6D3-58421842717E}"/>
               </a:ext>
             </a:extLst>
           </p:cNvPr>
@@ -41574,8 +41574,8 @@
         </p:blipFill>
         <p:spPr>
           <a:xfrm>
-            <a:off x="1152226" y="1492564"/>
-            <a:ext cx="6933839" cy="4765211"/>
+            <a:off x="385435" y="2139814"/>
+            <a:ext cx="8373130" cy="3252275"/>
           </a:xfrm>
           <a:prstGeom prst="rect">
             <a:avLst/>

--- a/Revature Standards/Presentation.pptx
+++ b/Revature Standards/Presentation.pptx
@@ -265,6 +265,14 @@
     </p:ext>
   </p:extLst>
 </p:presentation>
+</file>
+
+<file path=ppt/revisionInfo.xml><?xml version="1.0" encoding="utf-8"?>
+<p1510:revInfo xmlns:a="http://schemas.openxmlformats.org/drawingml/2006/main" xmlns:r="http://schemas.openxmlformats.org/officeDocument/2006/relationships" xmlns:p1510="http://schemas.microsoft.com/office/powerpoint/2015/10/main">
+  <p1510:revLst>
+    <p1510:client id="{B47CC044-EFCD-EA43-F223-48011AFD01DE}" v="9" dt="2021-11-24T05:34:06.093"/>
+  </p1510:revLst>
+</p1510:revInfo>
 </file>
 
 <file path=ppt/diagrams/colors1.xml><?xml version="1.0" encoding="utf-8"?>
@@ -6006,6 +6014,7 @@
           <a:camera prst="orthographicFront"/>
           <a:lightRig rig="flat" dir="t"/>
         </a:scene3d>
+        <a:sp3d/>
       </dsp:spPr>
       <dsp:style>
         <a:lnRef idx="1">
@@ -39884,15 +39893,7 @@
             </a:pPr>
             <a:r>
               <a:rPr lang="en-US" sz="2000" dirty="0"/>
-              <a:t>Diana </a:t>
-            </a:r>
-            <a:r>
-              <a:rPr lang="en-US" sz="2000" dirty="0" err="1"/>
-              <a:t>Dinh</a:t>
-            </a:r>
-            <a:r>
-              <a:rPr lang="en-US" sz="2000" dirty="0"/>
-              <a:t>-Andrus (She/Her)</a:t>
+              <a:t>Diana Dinh-Andrus (She/Her)</a:t>
             </a:r>
           </a:p>
           <a:p>
@@ -40046,15 +40047,7 @@
             </a:r>
             <a:r>
               <a:rPr lang="en-US" sz="2000" dirty="0"/>
-              <a:t> </a:t>
-            </a:r>
-            <a:r>
-              <a:rPr lang="en-US" sz="2000" dirty="0" err="1"/>
-              <a:t>Huai</a:t>
-            </a:r>
-            <a:r>
-              <a:rPr lang="en-US" sz="2000" dirty="0"/>
-              <a:t> (He/Him)</a:t>
+              <a:t> Huai (He/Him)</a:t>
             </a:r>
           </a:p>
           <a:p>
@@ -40202,7 +40195,7 @@
             </a:pPr>
             <a:r>
               <a:rPr lang="en-US" sz="2000" dirty="0"/>
-              <a:t>James Camal (He/Him)</a:t>
+              <a:t>James Camel (He/Him)</a:t>
             </a:r>
           </a:p>
           <a:p>

--- a/Revature Standards/Presentation.pptx
+++ b/Revature Standards/Presentation.pptx
@@ -6014,7 +6014,6 @@
           <a:camera prst="orthographicFront"/>
           <a:lightRig rig="flat" dir="t"/>
         </a:scene3d>
-        <a:sp3d/>
       </dsp:spPr>
       <dsp:style>
         <a:lnRef idx="1">
@@ -38522,6 +38521,36 @@
           </a:p>
         </p:txBody>
       </p:sp>
+      <p:pic>
+        <p:nvPicPr>
+          <p:cNvPr id="5" name="Picture 4" descr="An image of a fly chasing a person with a fly swatter">
+            <a:extLst>
+              <a:ext uri="{FF2B5EF4-FFF2-40B4-BE49-F238E27FC236}">
+                <a16:creationId xmlns:a16="http://schemas.microsoft.com/office/drawing/2014/main" id="{75C99D27-C965-4333-BC5F-5D63262BBB60}"/>
+              </a:ext>
+            </a:extLst>
+          </p:cNvPr>
+          <p:cNvPicPr>
+            <a:picLocks noChangeAspect="1"/>
+          </p:cNvPicPr>
+          <p:nvPr/>
+        </p:nvPicPr>
+        <p:blipFill>
+          <a:blip r:embed="rId2"/>
+          <a:stretch>
+            <a:fillRect/>
+          </a:stretch>
+        </p:blipFill>
+        <p:spPr>
+          <a:xfrm>
+            <a:off x="4395939" y="3942826"/>
+            <a:ext cx="4602103" cy="2326829"/>
+          </a:xfrm>
+          <a:prstGeom prst="rect">
+            <a:avLst/>
+          </a:prstGeom>
+        </p:spPr>
+      </p:pic>
     </p:spTree>
     <p:extLst>
       <p:ext uri="{BB962C8B-B14F-4D97-AF65-F5344CB8AC3E}">

--- a/Revature Standards/Presentation.pptx
+++ b/Revature Standards/Presentation.pptx
@@ -38160,50 +38160,6 @@
       </p:sp>
       <p:sp>
         <p:nvSpPr>
-          <p:cNvPr id="3" name="Text Placeholder 2">
-            <a:extLst>
-              <a:ext uri="{FF2B5EF4-FFF2-40B4-BE49-F238E27FC236}">
-                <a16:creationId xmlns:a16="http://schemas.microsoft.com/office/drawing/2014/main" id="{AAF974EB-AE2E-43F2-B327-DB51C42ABB75}"/>
-              </a:ext>
-            </a:extLst>
-          </p:cNvPr>
-          <p:cNvSpPr>
-            <a:spLocks noGrp="1"/>
-          </p:cNvSpPr>
-          <p:nvPr>
-            <p:ph type="body" idx="1"/>
-          </p:nvPr>
-        </p:nvSpPr>
-        <p:spPr/>
-        <p:txBody>
-          <a:bodyPr/>
-          <a:lstStyle/>
-          <a:p>
-            <a:r>
-              <a:rPr lang="de-DE" dirty="0"/>
-              <a:t>[Insert Jenkins </a:t>
-            </a:r>
-            <a:r>
-              <a:rPr lang="de-DE" dirty="0" err="1"/>
-              <a:t>info</a:t>
-            </a:r>
-            <a:r>
-              <a:rPr lang="de-DE" dirty="0"/>
-              <a:t> and </a:t>
-            </a:r>
-            <a:r>
-              <a:rPr lang="de-DE" dirty="0" err="1"/>
-              <a:t>visuals</a:t>
-            </a:r>
-            <a:r>
-              <a:rPr lang="de-DE" dirty="0"/>
-              <a:t>]</a:t>
-            </a:r>
-          </a:p>
-        </p:txBody>
-      </p:sp>
-      <p:sp>
-        <p:nvSpPr>
           <p:cNvPr id="4" name="Slide Number Placeholder 3">
             <a:extLst>
               <a:ext uri="{FF2B5EF4-FFF2-40B4-BE49-F238E27FC236}">
@@ -38240,6 +38196,36 @@
           </a:p>
         </p:txBody>
       </p:sp>
+      <p:pic>
+        <p:nvPicPr>
+          <p:cNvPr id="8" name="Picture 7">
+            <a:extLst>
+              <a:ext uri="{FF2B5EF4-FFF2-40B4-BE49-F238E27FC236}">
+                <a16:creationId xmlns:a16="http://schemas.microsoft.com/office/drawing/2014/main" id="{F2D91F34-2829-413E-A044-1B7ACEF580A6}"/>
+              </a:ext>
+            </a:extLst>
+          </p:cNvPr>
+          <p:cNvPicPr>
+            <a:picLocks noChangeAspect="1"/>
+          </p:cNvPicPr>
+          <p:nvPr/>
+        </p:nvPicPr>
+        <p:blipFill>
+          <a:blip r:embed="rId2"/>
+          <a:stretch>
+            <a:fillRect/>
+          </a:stretch>
+        </p:blipFill>
+        <p:spPr>
+          <a:xfrm>
+            <a:off x="205074" y="2467399"/>
+            <a:ext cx="8733852" cy="2023740"/>
+          </a:xfrm>
+          <a:prstGeom prst="rect">
+            <a:avLst/>
+          </a:prstGeom>
+        </p:spPr>
+      </p:pic>
     </p:spTree>
     <p:extLst>
       <p:ext uri="{BB962C8B-B14F-4D97-AF65-F5344CB8AC3E}">
@@ -38465,14 +38451,18 @@
           <a:p>
             <a:pPr lvl="1"/>
             <a:r>
-              <a:rPr lang="de-DE" dirty="0"/>
-              <a:t>Inconsistent adding of followers</a:t>
+              <a:rPr lang="de-DE"/>
+              <a:t>Adding additional follows inconsistent</a:t>
             </a:r>
           </a:p>
           <a:p>
             <a:r>
+              <a:rPr lang="de-DE"/>
+              <a:t>Post </a:t>
+            </a:r>
+            <a:r>
               <a:rPr lang="de-DE" dirty="0"/>
-              <a:t>Post cards width are reduced</a:t>
+              <a:t>feed and home container heights conflict</a:t>
             </a:r>
           </a:p>
           <a:p>

--- a/Revature Standards/Presentation.pptx
+++ b/Revature Standards/Presentation.pptx
@@ -38918,12 +38918,12 @@
         </p:nvSpPr>
         <p:spPr>
           <a:xfrm>
-            <a:off x="380010" y="1481446"/>
-            <a:ext cx="8383980" cy="5677937"/>
+            <a:off x="380010" y="1481447"/>
+            <a:ext cx="8383980" cy="4882266"/>
           </a:xfrm>
         </p:spPr>
         <p:txBody>
-          <a:bodyPr/>
+          <a:bodyPr numCol="2"/>
           <a:lstStyle/>
           <a:p>
             <a:r>
@@ -41165,6 +41165,12 @@
           <a:p>
             <a:r>
               <a:rPr lang="en-US" dirty="0"/>
+              <a:t>Follow/Unfollow Friend</a:t>
+            </a:r>
+          </a:p>
+          <a:p>
+            <a:r>
+              <a:rPr lang="en-US" dirty="0"/>
               <a:t>View Others’ Posts</a:t>
             </a:r>
           </a:p>
@@ -41172,12 +41178,6 @@
             <a:r>
               <a:rPr lang="en-US" dirty="0"/>
               <a:t>Like/Unlike Post</a:t>
-            </a:r>
-          </a:p>
-          <a:p>
-            <a:r>
-              <a:rPr lang="en-US" dirty="0"/>
-              <a:t>Follow/Unfollow Friend</a:t>
             </a:r>
           </a:p>
           <a:p>

--- a/Revature Standards/Presentation.pptx
+++ b/Revature Standards/Presentation.pptx
@@ -6014,6 +6014,7 @@
           <a:camera prst="orthographicFront"/>
           <a:lightRig rig="flat" dir="t"/>
         </a:scene3d>
+        <a:sp3d/>
       </dsp:spPr>
       <dsp:style>
         <a:lnRef idx="1">
@@ -37866,7 +37867,7 @@
           <a:p>
             <a:r>
               <a:rPr lang="en-US" dirty="0"/>
-              <a:t>Testing Statistics - Backend</a:t>
+              <a:t>Code Quality Statistics - Backend</a:t>
             </a:r>
           </a:p>
         </p:txBody>
@@ -41181,6 +41182,12 @@
             </a:r>
           </a:p>
           <a:p>
+            <a:r>
+              <a:rPr lang="en-US" dirty="0"/>
+              <a:t>Comment Post</a:t>
+            </a:r>
+          </a:p>
+          <a:p>
             <a:pPr marL="50800" indent="0">
               <a:buNone/>
             </a:pPr>
@@ -41194,6 +41201,33 @@
               <a:rPr lang="en-US" dirty="0"/>
               <a:t> </a:t>
             </a:r>
+          </a:p>
+          <a:p>
+            <a:endParaRPr lang="en-US" dirty="0"/>
+          </a:p>
+          <a:p>
+            <a:endParaRPr lang="en-US" dirty="0"/>
+          </a:p>
+          <a:p>
+            <a:endParaRPr lang="en-US" dirty="0"/>
+          </a:p>
+          <a:p>
+            <a:endParaRPr lang="en-US" dirty="0"/>
+          </a:p>
+          <a:p>
+            <a:endParaRPr lang="en-US" dirty="0"/>
+          </a:p>
+          <a:p>
+            <a:pPr marL="50800" indent="0">
+              <a:buNone/>
+            </a:pPr>
+            <a:endParaRPr lang="en-US" dirty="0"/>
+          </a:p>
+          <a:p>
+            <a:pPr marL="50800" indent="0">
+              <a:buNone/>
+            </a:pPr>
+            <a:endParaRPr lang="en-US" dirty="0"/>
           </a:p>
         </p:txBody>
       </p:sp>
@@ -41790,7 +41824,7 @@
           <a:p>
             <a:r>
               <a:rPr lang="de-DE" dirty="0"/>
-              <a:t>Testing Statistics - Frontend</a:t>
+              <a:t>Code Quality Statistics - Frontend</a:t>
             </a:r>
           </a:p>
         </p:txBody>
